--- a/hw01/hw01.pptx
+++ b/hw01/hw01.pptx
@@ -266,7 +266,7 @@
           <a:p>
             <a:fld id="{936FDFDA-8AD2-4CB2-A2BB-8D2DA7AA6534}" type="datetimeFigureOut">
               <a:rPr lang="zh-TW" altLang="en-US" smtClean="0"/>
-              <a:t>2021/9/27</a:t>
+              <a:t>2021/10/1</a:t>
             </a:fld>
             <a:endParaRPr lang="zh-TW" altLang="en-US"/>
           </a:p>
@@ -464,7 +464,7 @@
           <a:p>
             <a:fld id="{936FDFDA-8AD2-4CB2-A2BB-8D2DA7AA6534}" type="datetimeFigureOut">
               <a:rPr lang="zh-TW" altLang="en-US" smtClean="0"/>
-              <a:t>2021/9/27</a:t>
+              <a:t>2021/10/1</a:t>
             </a:fld>
             <a:endParaRPr lang="zh-TW" altLang="en-US"/>
           </a:p>
@@ -672,7 +672,7 @@
           <a:p>
             <a:fld id="{936FDFDA-8AD2-4CB2-A2BB-8D2DA7AA6534}" type="datetimeFigureOut">
               <a:rPr lang="zh-TW" altLang="en-US" smtClean="0"/>
-              <a:t>2021/9/27</a:t>
+              <a:t>2021/10/1</a:t>
             </a:fld>
             <a:endParaRPr lang="zh-TW" altLang="en-US"/>
           </a:p>
@@ -870,7 +870,7 @@
           <a:p>
             <a:fld id="{936FDFDA-8AD2-4CB2-A2BB-8D2DA7AA6534}" type="datetimeFigureOut">
               <a:rPr lang="zh-TW" altLang="en-US" smtClean="0"/>
-              <a:t>2021/9/27</a:t>
+              <a:t>2021/10/1</a:t>
             </a:fld>
             <a:endParaRPr lang="zh-TW" altLang="en-US"/>
           </a:p>
@@ -1145,7 +1145,7 @@
           <a:p>
             <a:fld id="{936FDFDA-8AD2-4CB2-A2BB-8D2DA7AA6534}" type="datetimeFigureOut">
               <a:rPr lang="zh-TW" altLang="en-US" smtClean="0"/>
-              <a:t>2021/9/27</a:t>
+              <a:t>2021/10/1</a:t>
             </a:fld>
             <a:endParaRPr lang="zh-TW" altLang="en-US"/>
           </a:p>
@@ -1410,7 +1410,7 @@
           <a:p>
             <a:fld id="{936FDFDA-8AD2-4CB2-A2BB-8D2DA7AA6534}" type="datetimeFigureOut">
               <a:rPr lang="zh-TW" altLang="en-US" smtClean="0"/>
-              <a:t>2021/9/27</a:t>
+              <a:t>2021/10/1</a:t>
             </a:fld>
             <a:endParaRPr lang="zh-TW" altLang="en-US"/>
           </a:p>
@@ -1822,7 +1822,7 @@
           <a:p>
             <a:fld id="{936FDFDA-8AD2-4CB2-A2BB-8D2DA7AA6534}" type="datetimeFigureOut">
               <a:rPr lang="zh-TW" altLang="en-US" smtClean="0"/>
-              <a:t>2021/9/27</a:t>
+              <a:t>2021/10/1</a:t>
             </a:fld>
             <a:endParaRPr lang="zh-TW" altLang="en-US"/>
           </a:p>
@@ -1963,7 +1963,7 @@
           <a:p>
             <a:fld id="{936FDFDA-8AD2-4CB2-A2BB-8D2DA7AA6534}" type="datetimeFigureOut">
               <a:rPr lang="zh-TW" altLang="en-US" smtClean="0"/>
-              <a:t>2021/9/27</a:t>
+              <a:t>2021/10/1</a:t>
             </a:fld>
             <a:endParaRPr lang="zh-TW" altLang="en-US"/>
           </a:p>
@@ -2076,7 +2076,7 @@
           <a:p>
             <a:fld id="{936FDFDA-8AD2-4CB2-A2BB-8D2DA7AA6534}" type="datetimeFigureOut">
               <a:rPr lang="zh-TW" altLang="en-US" smtClean="0"/>
-              <a:t>2021/9/27</a:t>
+              <a:t>2021/10/1</a:t>
             </a:fld>
             <a:endParaRPr lang="zh-TW" altLang="en-US"/>
           </a:p>
@@ -2387,7 +2387,7 @@
           <a:p>
             <a:fld id="{936FDFDA-8AD2-4CB2-A2BB-8D2DA7AA6534}" type="datetimeFigureOut">
               <a:rPr lang="zh-TW" altLang="en-US" smtClean="0"/>
-              <a:t>2021/9/27</a:t>
+              <a:t>2021/10/1</a:t>
             </a:fld>
             <a:endParaRPr lang="zh-TW" altLang="en-US"/>
           </a:p>
@@ -2675,7 +2675,7 @@
           <a:p>
             <a:fld id="{936FDFDA-8AD2-4CB2-A2BB-8D2DA7AA6534}" type="datetimeFigureOut">
               <a:rPr lang="zh-TW" altLang="en-US" smtClean="0"/>
-              <a:t>2021/9/27</a:t>
+              <a:t>2021/10/1</a:t>
             </a:fld>
             <a:endParaRPr lang="zh-TW" altLang="en-US"/>
           </a:p>
@@ -2916,7 +2916,7 @@
           <a:p>
             <a:fld id="{936FDFDA-8AD2-4CB2-A2BB-8D2DA7AA6534}" type="datetimeFigureOut">
               <a:rPr lang="zh-TW" altLang="en-US" smtClean="0"/>
-              <a:t>2021/9/27</a:t>
+              <a:t>2021/10/1</a:t>
             </a:fld>
             <a:endParaRPr lang="zh-TW" altLang="en-US"/>
           </a:p>
@@ -3450,8 +3450,8 @@
           </a:p>
         </p:txBody>
       </p:sp>
-      <mc:AlternateContent xmlns:mc="http://schemas.openxmlformats.org/markup-compatibility/2006">
-        <mc:Choice xmlns:a14="http://schemas.microsoft.com/office/drawing/2010/main" Requires="a14">
+      <mc:AlternateContent xmlns:mc="http://schemas.openxmlformats.org/markup-compatibility/2006" xmlns:a14="http://schemas.microsoft.com/office/drawing/2010/main">
+        <mc:Choice Requires="a14">
           <p:sp>
             <p:nvSpPr>
               <p:cNvPr id="3" name="內容版面配置區 2">
@@ -3510,7 +3510,7 @@
                     <m:d>
                       <m:dPr>
                         <m:ctrlPr>
-                          <a:rPr lang="en-US" altLang="zh-TW" b="0" i="0" smtClean="0">
+                          <a:rPr lang="en-US" altLang="zh-TW" b="0" i="1" smtClean="0">
                             <a:latin typeface="Cambria Math" panose="02040503050406030204" pitchFamily="18" charset="0"/>
                           </a:rPr>
                         </m:ctrlPr>
@@ -3749,7 +3749,7 @@
                     <m:d>
                       <m:dPr>
                         <m:ctrlPr>
-                          <a:rPr lang="en-US" altLang="zh-TW" b="0" i="0" smtClean="0">
+                          <a:rPr lang="en-US" altLang="zh-TW" b="0" i="1" smtClean="0">
                             <a:latin typeface="Cambria Math" panose="02040503050406030204" pitchFamily="18" charset="0"/>
                             <a:ea typeface="Cambria Math" panose="02040503050406030204" pitchFamily="18" charset="0"/>
                           </a:rPr>
@@ -3917,7 +3917,7 @@
             </p:txBody>
           </p:sp>
         </mc:Choice>
-        <mc:Fallback>
+        <mc:Fallback xmlns="">
           <p:sp>
             <p:nvSpPr>
               <p:cNvPr id="3" name="內容版面配置區 2">
@@ -4450,8 +4450,8 @@
           </a:p>
         </p:txBody>
       </p:sp>
-      <mc:AlternateContent xmlns:mc="http://schemas.openxmlformats.org/markup-compatibility/2006">
-        <mc:Choice xmlns:a14="http://schemas.microsoft.com/office/drawing/2010/main" Requires="a14">
+      <mc:AlternateContent xmlns:mc="http://schemas.openxmlformats.org/markup-compatibility/2006" xmlns:a14="http://schemas.microsoft.com/office/drawing/2010/main">
+        <mc:Choice Requires="a14">
           <p:sp>
             <p:nvSpPr>
               <p:cNvPr id="3" name="內容版面配置區 2">
@@ -4848,7 +4848,7 @@
             </p:txBody>
           </p:sp>
         </mc:Choice>
-        <mc:Fallback>
+        <mc:Fallback xmlns="">
           <p:sp>
             <p:nvSpPr>
               <p:cNvPr id="3" name="內容版面配置區 2">
@@ -5590,56 +5590,56 @@
                       </a:rPr>
                       <m:t>=</m:t>
                     </m:r>
-                    <m:f>
-                      <m:fPr>
+                    <m:d>
+                      <m:dPr>
+                        <m:begChr m:val="|"/>
+                        <m:endChr m:val="|"/>
                         <m:ctrlPr>
                           <a:rPr lang="en-US" altLang="zh-TW" b="0" i="1" smtClean="0">
                             <a:latin typeface="Cambria Math" panose="02040503050406030204" pitchFamily="18" charset="0"/>
                           </a:rPr>
                         </m:ctrlPr>
-                      </m:fPr>
-                      <m:num>
-                        <m:d>
-                          <m:dPr>
-                            <m:begChr m:val="|"/>
-                            <m:endChr m:val="|"/>
+                      </m:dPr>
+                      <m:e>
+                        <m:f>
+                          <m:fPr>
                             <m:ctrlPr>
-                              <a:rPr lang="en-US" altLang="zh-TW" b="0" i="1" smtClean="0">
+                              <a:rPr lang="en-US" altLang="zh-TW" i="1">
                                 <a:latin typeface="Cambria Math" panose="02040503050406030204" pitchFamily="18" charset="0"/>
                               </a:rPr>
                             </m:ctrlPr>
-                          </m:dPr>
-                          <m:e>
+                          </m:fPr>
+                          <m:num>
                             <m:r>
-                              <a:rPr lang="en-US" altLang="zh-TW" b="0" i="1" smtClean="0">
+                              <a:rPr lang="en-US" altLang="zh-TW" i="1">
                                 <a:latin typeface="Cambria Math" panose="02040503050406030204" pitchFamily="18" charset="0"/>
                               </a:rPr>
                               <m:t>𝑥</m:t>
                             </m:r>
                             <m:r>
-                              <a:rPr lang="en-US" altLang="zh-TW" b="0" i="1" smtClean="0">
+                              <a:rPr lang="en-US" altLang="zh-TW" i="1">
                                 <a:latin typeface="Cambria Math" panose="02040503050406030204" pitchFamily="18" charset="0"/>
                               </a:rPr>
                               <m:t>−</m:t>
                             </m:r>
                             <m:r>
-                              <a:rPr lang="en-US" altLang="zh-TW" b="0" i="1" smtClean="0">
+                              <a:rPr lang="en-US" altLang="zh-TW" i="1">
                                 <a:latin typeface="Cambria Math" panose="02040503050406030204" pitchFamily="18" charset="0"/>
                               </a:rPr>
                               <m:t>𝑎𝑛𝑠</m:t>
                             </m:r>
-                          </m:e>
-                        </m:d>
-                      </m:num>
-                      <m:den>
-                        <m:r>
-                          <a:rPr lang="en-US" altLang="zh-TW" b="0" i="1" smtClean="0">
-                            <a:latin typeface="Cambria Math" panose="02040503050406030204" pitchFamily="18" charset="0"/>
-                          </a:rPr>
-                          <m:t>𝑎𝑛𝑠</m:t>
-                        </m:r>
-                      </m:den>
-                    </m:f>
+                          </m:num>
+                          <m:den>
+                            <m:r>
+                              <a:rPr lang="en-US" altLang="zh-TW" i="1">
+                                <a:latin typeface="Cambria Math" panose="02040503050406030204" pitchFamily="18" charset="0"/>
+                              </a:rPr>
+                              <m:t>𝑎𝑛𝑠</m:t>
+                            </m:r>
+                          </m:den>
+                        </m:f>
+                      </m:e>
+                    </m:d>
                     <m:r>
                       <a:rPr lang="en-US" altLang="zh-TW" b="0" i="1" smtClean="0">
                         <a:latin typeface="Cambria Math" panose="02040503050406030204" pitchFamily="18" charset="0"/>
@@ -5709,12 +5709,17 @@
         <p:spPr>
           <a:xfrm>
             <a:off x="383098" y="2917001"/>
-            <a:ext cx="11425804" cy="923330"/>
+            <a:ext cx="8836403" cy="2031325"/>
           </a:xfrm>
           <a:prstGeom prst="rect">
             <a:avLst/>
           </a:prstGeom>
           <a:noFill/>
+          <a:ln w="19050">
+            <a:solidFill>
+              <a:srgbClr val="FF0000"/>
+            </a:solidFill>
+          </a:ln>
         </p:spPr>
         <p:txBody>
           <a:bodyPr wrap="square">
@@ -5723,7 +5728,109 @@
           <a:lstStyle/>
           <a:p>
             <a:r>
-              <a:rPr lang="fr-FR" altLang="zh-TW" b="0" dirty="0">
+              <a:rPr lang="en-US" altLang="zh-TW" b="0" dirty="0">
+                <a:solidFill>
+                  <a:srgbClr val="000000"/>
+                </a:solidFill>
+                <a:effectLst/>
+                <a:latin typeface="Consolas" panose="020B0609020204030204" pitchFamily="49" charset="0"/>
+              </a:rPr>
+              <a:t>    </a:t>
+            </a:r>
+            <a:r>
+              <a:rPr lang="en-US" altLang="zh-TW" b="0" dirty="0">
+                <a:solidFill>
+                  <a:srgbClr val="0000FF"/>
+                </a:solidFill>
+                <a:effectLst/>
+                <a:latin typeface="Consolas" panose="020B0609020204030204" pitchFamily="49" charset="0"/>
+              </a:rPr>
+              <a:t>float</a:t>
+            </a:r>
+            <a:r>
+              <a:rPr lang="en-US" altLang="zh-TW" b="0" dirty="0">
+                <a:solidFill>
+                  <a:srgbClr val="000000"/>
+                </a:solidFill>
+                <a:effectLst/>
+                <a:latin typeface="Consolas" panose="020B0609020204030204" pitchFamily="49" charset="0"/>
+              </a:rPr>
+              <a:t> </a:t>
+            </a:r>
+            <a:r>
+              <a:rPr lang="en-US" altLang="zh-TW" b="0" dirty="0">
+                <a:solidFill>
+                  <a:srgbClr val="001080"/>
+                </a:solidFill>
+                <a:effectLst/>
+                <a:latin typeface="Consolas" panose="020B0609020204030204" pitchFamily="49" charset="0"/>
+              </a:rPr>
+              <a:t>err1</a:t>
+            </a:r>
+            <a:r>
+              <a:rPr lang="en-US" altLang="zh-TW" b="0" dirty="0">
+                <a:solidFill>
+                  <a:srgbClr val="000000"/>
+                </a:solidFill>
+                <a:effectLst/>
+                <a:latin typeface="Consolas" panose="020B0609020204030204" pitchFamily="49" charset="0"/>
+              </a:rPr>
+              <a:t>, </a:t>
+            </a:r>
+            <a:r>
+              <a:rPr lang="en-US" altLang="zh-TW" b="0" dirty="0">
+                <a:solidFill>
+                  <a:srgbClr val="001080"/>
+                </a:solidFill>
+                <a:effectLst/>
+                <a:latin typeface="Consolas" panose="020B0609020204030204" pitchFamily="49" charset="0"/>
+              </a:rPr>
+              <a:t>err2</a:t>
+            </a:r>
+            <a:r>
+              <a:rPr lang="en-US" altLang="zh-TW" b="0" dirty="0">
+                <a:solidFill>
+                  <a:srgbClr val="000000"/>
+                </a:solidFill>
+                <a:effectLst/>
+                <a:latin typeface="Consolas" panose="020B0609020204030204" pitchFamily="49" charset="0"/>
+              </a:rPr>
+              <a:t>;</a:t>
+            </a:r>
+          </a:p>
+          <a:p>
+            <a:r>
+              <a:rPr lang="en-US" altLang="zh-TW" b="0" dirty="0">
+                <a:solidFill>
+                  <a:srgbClr val="000000"/>
+                </a:solidFill>
+                <a:effectLst/>
+                <a:latin typeface="Consolas" panose="020B0609020204030204" pitchFamily="49" charset="0"/>
+              </a:rPr>
+              <a:t>    </a:t>
+            </a:r>
+            <a:r>
+              <a:rPr lang="en-US" altLang="zh-TW" b="0" dirty="0">
+                <a:solidFill>
+                  <a:srgbClr val="001080"/>
+                </a:solidFill>
+                <a:effectLst/>
+                <a:latin typeface="Consolas" panose="020B0609020204030204" pitchFamily="49" charset="0"/>
+              </a:rPr>
+              <a:t>err1</a:t>
+            </a:r>
+            <a:r>
+              <a:rPr lang="en-US" altLang="zh-TW" b="0" dirty="0">
+                <a:solidFill>
+                  <a:srgbClr val="000000"/>
+                </a:solidFill>
+                <a:effectLst/>
+                <a:latin typeface="Consolas" panose="020B0609020204030204" pitchFamily="49" charset="0"/>
+              </a:rPr>
+              <a:t> = </a:t>
+            </a:r>
+            <a:r>
+              <a:rPr lang="en-US" altLang="zh-TW" b="0" dirty="0">
                 <a:solidFill>
                   <a:srgbClr val="267F99"/>
                 </a:solidFill>
@@ -5733,7 +5840,7 @@
               <a:t>std</a:t>
             </a:r>
             <a:r>
-              <a:rPr lang="fr-FR" altLang="zh-TW" b="0" dirty="0">
+              <a:rPr lang="en-US" altLang="zh-TW" b="0" dirty="0">
                 <a:solidFill>
                   <a:srgbClr val="000000"/>
                 </a:solidFill>
@@ -5743,17 +5850,310 @@
               <a:t>::</a:t>
             </a:r>
             <a:r>
-              <a:rPr lang="fr-FR" altLang="zh-TW" b="0" dirty="0">
+              <a:rPr lang="en-US" altLang="zh-TW" b="0" dirty="0">
+                <a:solidFill>
+                  <a:srgbClr val="795E26"/>
+                </a:solidFill>
+                <a:effectLst/>
+                <a:latin typeface="Consolas" panose="020B0609020204030204" pitchFamily="49" charset="0"/>
+              </a:rPr>
+              <a:t>abs</a:t>
+            </a:r>
+            <a:r>
+              <a:rPr lang="en-US" altLang="zh-TW" b="0" dirty="0">
+                <a:solidFill>
+                  <a:srgbClr val="000000"/>
+                </a:solidFill>
+                <a:effectLst/>
+                <a:latin typeface="Consolas" panose="020B0609020204030204" pitchFamily="49" charset="0"/>
+              </a:rPr>
+              <a:t>( (</a:t>
+            </a:r>
+            <a:r>
+              <a:rPr lang="en-US" altLang="zh-TW" b="0" dirty="0">
                 <a:solidFill>
                   <a:srgbClr val="001080"/>
                 </a:solidFill>
                 <a:effectLst/>
                 <a:latin typeface="Consolas" panose="020B0609020204030204" pitchFamily="49" charset="0"/>
               </a:rPr>
+              <a:t>x1</a:t>
+            </a:r>
+            <a:r>
+              <a:rPr lang="en-US" altLang="zh-TW" b="0" dirty="0">
+                <a:solidFill>
+                  <a:srgbClr val="000000"/>
+                </a:solidFill>
+                <a:effectLst/>
+                <a:latin typeface="Consolas" panose="020B0609020204030204" pitchFamily="49" charset="0"/>
+              </a:rPr>
+              <a:t> - </a:t>
+            </a:r>
+            <a:r>
+              <a:rPr lang="en-US" altLang="zh-TW" b="0" dirty="0">
+                <a:solidFill>
+                  <a:srgbClr val="001080"/>
+                </a:solidFill>
+                <a:effectLst/>
+                <a:latin typeface="Consolas" panose="020B0609020204030204" pitchFamily="49" charset="0"/>
+              </a:rPr>
+              <a:t>ans1</a:t>
+            </a:r>
+            <a:r>
+              <a:rPr lang="en-US" altLang="zh-TW" b="0" dirty="0">
+                <a:solidFill>
+                  <a:srgbClr val="000000"/>
+                </a:solidFill>
+                <a:effectLst/>
+                <a:latin typeface="Consolas" panose="020B0609020204030204" pitchFamily="49" charset="0"/>
+              </a:rPr>
+              <a:t>) / </a:t>
+            </a:r>
+            <a:r>
+              <a:rPr lang="en-US" altLang="zh-TW" b="0" dirty="0">
+                <a:solidFill>
+                  <a:srgbClr val="001080"/>
+                </a:solidFill>
+                <a:effectLst/>
+                <a:latin typeface="Consolas" panose="020B0609020204030204" pitchFamily="49" charset="0"/>
+              </a:rPr>
+              <a:t>ans1</a:t>
+            </a:r>
+            <a:r>
+              <a:rPr lang="en-US" altLang="zh-TW" b="0" dirty="0">
+                <a:solidFill>
+                  <a:srgbClr val="000000"/>
+                </a:solidFill>
+                <a:effectLst/>
+                <a:latin typeface="Consolas" panose="020B0609020204030204" pitchFamily="49" charset="0"/>
+              </a:rPr>
+              <a:t> ) * </a:t>
+            </a:r>
+            <a:r>
+              <a:rPr lang="en-US" altLang="zh-TW" b="0" dirty="0">
+                <a:solidFill>
+                  <a:srgbClr val="098658"/>
+                </a:solidFill>
+                <a:effectLst/>
+                <a:latin typeface="Consolas" panose="020B0609020204030204" pitchFamily="49" charset="0"/>
+              </a:rPr>
+              <a:t>100</a:t>
+            </a:r>
+            <a:r>
+              <a:rPr lang="en-US" altLang="zh-TW" b="0" dirty="0">
+                <a:solidFill>
+                  <a:srgbClr val="000000"/>
+                </a:solidFill>
+                <a:effectLst/>
+                <a:latin typeface="Consolas" panose="020B0609020204030204" pitchFamily="49" charset="0"/>
+              </a:rPr>
+              <a:t>;</a:t>
+            </a:r>
+          </a:p>
+          <a:p>
+            <a:r>
+              <a:rPr lang="en-US" altLang="zh-TW" b="0" dirty="0">
+                <a:solidFill>
+                  <a:srgbClr val="000000"/>
+                </a:solidFill>
+                <a:effectLst/>
+                <a:latin typeface="Consolas" panose="020B0609020204030204" pitchFamily="49" charset="0"/>
+              </a:rPr>
+              <a:t>    </a:t>
+            </a:r>
+            <a:r>
+              <a:rPr lang="en-US" altLang="zh-TW" b="0" dirty="0">
+                <a:solidFill>
+                  <a:srgbClr val="001080"/>
+                </a:solidFill>
+                <a:effectLst/>
+                <a:latin typeface="Consolas" panose="020B0609020204030204" pitchFamily="49" charset="0"/>
+              </a:rPr>
+              <a:t>err2</a:t>
+            </a:r>
+            <a:r>
+              <a:rPr lang="en-US" altLang="zh-TW" b="0" dirty="0">
+                <a:solidFill>
+                  <a:srgbClr val="000000"/>
+                </a:solidFill>
+                <a:effectLst/>
+                <a:latin typeface="Consolas" panose="020B0609020204030204" pitchFamily="49" charset="0"/>
+              </a:rPr>
+              <a:t> = </a:t>
+            </a:r>
+            <a:r>
+              <a:rPr lang="en-US" altLang="zh-TW" b="0" dirty="0">
+                <a:solidFill>
+                  <a:srgbClr val="267F99"/>
+                </a:solidFill>
+                <a:effectLst/>
+                <a:latin typeface="Consolas" panose="020B0609020204030204" pitchFamily="49" charset="0"/>
+              </a:rPr>
+              <a:t>std</a:t>
+            </a:r>
+            <a:r>
+              <a:rPr lang="en-US" altLang="zh-TW" b="0" dirty="0">
+                <a:solidFill>
+                  <a:srgbClr val="000000"/>
+                </a:solidFill>
+                <a:effectLst/>
+                <a:latin typeface="Consolas" panose="020B0609020204030204" pitchFamily="49" charset="0"/>
+              </a:rPr>
+              <a:t>::</a:t>
+            </a:r>
+            <a:r>
+              <a:rPr lang="en-US" altLang="zh-TW" b="0" dirty="0">
+                <a:solidFill>
+                  <a:srgbClr val="795E26"/>
+                </a:solidFill>
+                <a:effectLst/>
+                <a:latin typeface="Consolas" panose="020B0609020204030204" pitchFamily="49" charset="0"/>
+              </a:rPr>
+              <a:t>abs</a:t>
+            </a:r>
+            <a:r>
+              <a:rPr lang="en-US" altLang="zh-TW" b="0" dirty="0">
+                <a:solidFill>
+                  <a:srgbClr val="000000"/>
+                </a:solidFill>
+                <a:effectLst/>
+                <a:latin typeface="Consolas" panose="020B0609020204030204" pitchFamily="49" charset="0"/>
+              </a:rPr>
+              <a:t>( (</a:t>
+            </a:r>
+            <a:r>
+              <a:rPr lang="en-US" altLang="zh-TW" b="0" dirty="0">
+                <a:solidFill>
+                  <a:srgbClr val="001080"/>
+                </a:solidFill>
+                <a:effectLst/>
+                <a:latin typeface="Consolas" panose="020B0609020204030204" pitchFamily="49" charset="0"/>
+              </a:rPr>
+              <a:t>x2</a:t>
+            </a:r>
+            <a:r>
+              <a:rPr lang="en-US" altLang="zh-TW" b="0" dirty="0">
+                <a:solidFill>
+                  <a:srgbClr val="000000"/>
+                </a:solidFill>
+                <a:effectLst/>
+                <a:latin typeface="Consolas" panose="020B0609020204030204" pitchFamily="49" charset="0"/>
+              </a:rPr>
+              <a:t> - </a:t>
+            </a:r>
+            <a:r>
+              <a:rPr lang="en-US" altLang="zh-TW" b="0" dirty="0">
+                <a:solidFill>
+                  <a:srgbClr val="001080"/>
+                </a:solidFill>
+                <a:effectLst/>
+                <a:latin typeface="Consolas" panose="020B0609020204030204" pitchFamily="49" charset="0"/>
+              </a:rPr>
+              <a:t>ans2</a:t>
+            </a:r>
+            <a:r>
+              <a:rPr lang="en-US" altLang="zh-TW" b="0" dirty="0">
+                <a:solidFill>
+                  <a:srgbClr val="000000"/>
+                </a:solidFill>
+                <a:effectLst/>
+                <a:latin typeface="Consolas" panose="020B0609020204030204" pitchFamily="49" charset="0"/>
+              </a:rPr>
+              <a:t>) / </a:t>
+            </a:r>
+            <a:r>
+              <a:rPr lang="en-US" altLang="zh-TW" b="0" dirty="0">
+                <a:solidFill>
+                  <a:srgbClr val="001080"/>
+                </a:solidFill>
+                <a:effectLst/>
+                <a:latin typeface="Consolas" panose="020B0609020204030204" pitchFamily="49" charset="0"/>
+              </a:rPr>
+              <a:t>ans2</a:t>
+            </a:r>
+            <a:r>
+              <a:rPr lang="en-US" altLang="zh-TW" b="0" dirty="0">
+                <a:solidFill>
+                  <a:srgbClr val="000000"/>
+                </a:solidFill>
+                <a:effectLst/>
+                <a:latin typeface="Consolas" panose="020B0609020204030204" pitchFamily="49" charset="0"/>
+              </a:rPr>
+              <a:t> ) * </a:t>
+            </a:r>
+            <a:r>
+              <a:rPr lang="en-US" altLang="zh-TW" b="0" dirty="0">
+                <a:solidFill>
+                  <a:srgbClr val="098658"/>
+                </a:solidFill>
+                <a:effectLst/>
+                <a:latin typeface="Consolas" panose="020B0609020204030204" pitchFamily="49" charset="0"/>
+              </a:rPr>
+              <a:t>100</a:t>
+            </a:r>
+            <a:r>
+              <a:rPr lang="en-US" altLang="zh-TW" b="0" dirty="0">
+                <a:solidFill>
+                  <a:srgbClr val="000000"/>
+                </a:solidFill>
+                <a:effectLst/>
+                <a:latin typeface="Consolas" panose="020B0609020204030204" pitchFamily="49" charset="0"/>
+              </a:rPr>
+              <a:t>;</a:t>
+            </a:r>
+          </a:p>
+          <a:p>
+            <a:br>
+              <a:rPr lang="en-US" altLang="zh-TW" b="0" dirty="0">
+                <a:solidFill>
+                  <a:srgbClr val="000000"/>
+                </a:solidFill>
+                <a:effectLst/>
+                <a:latin typeface="Consolas" panose="020B0609020204030204" pitchFamily="49" charset="0"/>
+              </a:rPr>
+            </a:br>
+            <a:r>
+              <a:rPr lang="en-US" altLang="zh-TW" b="0" dirty="0">
+                <a:solidFill>
+                  <a:srgbClr val="000000"/>
+                </a:solidFill>
+                <a:effectLst/>
+                <a:latin typeface="Consolas" panose="020B0609020204030204" pitchFamily="49" charset="0"/>
+              </a:rPr>
+              <a:t>    </a:t>
+            </a:r>
+            <a:r>
+              <a:rPr lang="en-US" altLang="zh-TW" b="0" dirty="0">
+                <a:solidFill>
+                  <a:srgbClr val="267F99"/>
+                </a:solidFill>
+                <a:effectLst/>
+                <a:latin typeface="Consolas" panose="020B0609020204030204" pitchFamily="49" charset="0"/>
+              </a:rPr>
+              <a:t>std</a:t>
+            </a:r>
+            <a:r>
+              <a:rPr lang="en-US" altLang="zh-TW" b="0" dirty="0">
+                <a:solidFill>
+                  <a:srgbClr val="000000"/>
+                </a:solidFill>
+                <a:effectLst/>
+                <a:latin typeface="Consolas" panose="020B0609020204030204" pitchFamily="49" charset="0"/>
+              </a:rPr>
+              <a:t>::</a:t>
+            </a:r>
+            <a:r>
+              <a:rPr lang="en-US" altLang="zh-TW" b="0" dirty="0" err="1">
+                <a:solidFill>
+                  <a:srgbClr val="001080"/>
+                </a:solidFill>
+                <a:effectLst/>
+                <a:latin typeface="Consolas" panose="020B0609020204030204" pitchFamily="49" charset="0"/>
+              </a:rPr>
               <a:t>cout</a:t>
             </a:r>
             <a:r>
-              <a:rPr lang="fr-FR" altLang="zh-TW" b="0" dirty="0">
+              <a:rPr lang="en-US" altLang="zh-TW" b="0" dirty="0">
                 <a:solidFill>
                   <a:srgbClr val="000000"/>
                 </a:solidFill>
@@ -5763,7 +6163,7 @@
               <a:t> </a:t>
             </a:r>
             <a:r>
-              <a:rPr lang="fr-FR" altLang="zh-TW" b="0" dirty="0">
+              <a:rPr lang="en-US" altLang="zh-TW" b="0" dirty="0">
                 <a:solidFill>
                   <a:srgbClr val="795E26"/>
                 </a:solidFill>
@@ -5773,7 +6173,7 @@
               <a:t>&lt;&lt;</a:t>
             </a:r>
             <a:r>
-              <a:rPr lang="fr-FR" altLang="zh-TW" b="0" dirty="0">
+              <a:rPr lang="en-US" altLang="zh-TW" b="0" dirty="0">
                 <a:solidFill>
                   <a:srgbClr val="000000"/>
                 </a:solidFill>
@@ -5783,17 +6183,37 @@
               <a:t> </a:t>
             </a:r>
             <a:r>
-              <a:rPr lang="fr-FR" altLang="zh-TW" b="0" dirty="0">
+              <a:rPr lang="en-US" altLang="zh-TW" b="0" dirty="0">
                 <a:solidFill>
                   <a:srgbClr val="A31515"/>
                 </a:solidFill>
                 <a:effectLst/>
                 <a:latin typeface="Consolas" panose="020B0609020204030204" pitchFamily="49" charset="0"/>
               </a:rPr>
-              <a:t>"ans[#], root[#], error[%]</a:t>
-            </a:r>
-            <a:r>
-              <a:rPr lang="fr-FR" altLang="zh-TW" b="0" dirty="0">
+              <a:t>"</a:t>
+            </a:r>
+            <a:r>
+              <a:rPr lang="en-US" altLang="zh-TW" b="0" dirty="0" err="1">
+                <a:solidFill>
+                  <a:srgbClr val="A31515"/>
+                </a:solidFill>
+                <a:effectLst/>
+                <a:latin typeface="Consolas" panose="020B0609020204030204" pitchFamily="49" charset="0"/>
+              </a:rPr>
+              <a:t>ans</a:t>
+            </a:r>
+            <a:r>
+              <a:rPr lang="en-US" altLang="zh-TW" b="0" dirty="0">
+                <a:solidFill>
+                  <a:srgbClr val="A31515"/>
+                </a:solidFill>
+                <a:effectLst/>
+                <a:latin typeface="Consolas" panose="020B0609020204030204" pitchFamily="49" charset="0"/>
+              </a:rPr>
+              <a:t>[#], root[#], error[%]</a:t>
+            </a:r>
+            <a:r>
+              <a:rPr lang="en-US" altLang="zh-TW" b="0" dirty="0">
                 <a:solidFill>
                   <a:srgbClr val="EE0000"/>
                 </a:solidFill>
@@ -5803,7 +6223,7 @@
               <a:t>\n</a:t>
             </a:r>
             <a:r>
-              <a:rPr lang="fr-FR" altLang="zh-TW" b="0" dirty="0">
+              <a:rPr lang="en-US" altLang="zh-TW" b="0" dirty="0">
                 <a:solidFill>
                   <a:srgbClr val="A31515"/>
                 </a:solidFill>
@@ -5813,7 +6233,7 @@
               <a:t>"</a:t>
             </a:r>
             <a:r>
-              <a:rPr lang="fr-FR" altLang="zh-TW" b="0" dirty="0">
+              <a:rPr lang="en-US" altLang="zh-TW" b="0" dirty="0">
                 <a:solidFill>
                   <a:srgbClr val="000000"/>
                 </a:solidFill>
@@ -5825,7 +6245,17 @@
           </a:p>
           <a:p>
             <a:r>
-              <a:rPr lang="fr-FR" altLang="zh-TW" b="0" dirty="0">
+              <a:rPr lang="en-US" altLang="zh-TW" b="0" dirty="0">
+                <a:solidFill>
+                  <a:srgbClr val="000000"/>
+                </a:solidFill>
+                <a:effectLst/>
+                <a:latin typeface="Consolas" panose="020B0609020204030204" pitchFamily="49" charset="0"/>
+              </a:rPr>
+              <a:t>    </a:t>
+            </a:r>
+            <a:r>
+              <a:rPr lang="en-US" altLang="zh-TW" b="0" dirty="0">
                 <a:solidFill>
                   <a:srgbClr val="267F99"/>
                 </a:solidFill>
@@ -5835,7 +6265,7 @@
               <a:t>std</a:t>
             </a:r>
             <a:r>
-              <a:rPr lang="fr-FR" altLang="zh-TW" b="0" dirty="0">
+              <a:rPr lang="en-US" altLang="zh-TW" b="0" dirty="0">
                 <a:solidFill>
                   <a:srgbClr val="000000"/>
                 </a:solidFill>
@@ -5845,7 +6275,7 @@
               <a:t>::</a:t>
             </a:r>
             <a:r>
-              <a:rPr lang="fr-FR" altLang="zh-TW" b="0" dirty="0">
+              <a:rPr lang="en-US" altLang="zh-TW" b="0" dirty="0" err="1">
                 <a:solidFill>
                   <a:srgbClr val="001080"/>
                 </a:solidFill>
@@ -5855,7 +6285,7 @@
               <a:t>cout</a:t>
             </a:r>
             <a:r>
-              <a:rPr lang="fr-FR" altLang="zh-TW" b="0" dirty="0">
+              <a:rPr lang="en-US" altLang="zh-TW" b="0" dirty="0">
                 <a:solidFill>
                   <a:srgbClr val="000000"/>
                 </a:solidFill>
@@ -5865,7 +6295,7 @@
               <a:t> </a:t>
             </a:r>
             <a:r>
-              <a:rPr lang="fr-FR" altLang="zh-TW" b="0" dirty="0">
+              <a:rPr lang="en-US" altLang="zh-TW" b="0" dirty="0">
                 <a:solidFill>
                   <a:srgbClr val="795E26"/>
                 </a:solidFill>
@@ -5875,7 +6305,7 @@
               <a:t>&lt;&lt;</a:t>
             </a:r>
             <a:r>
-              <a:rPr lang="fr-FR" altLang="zh-TW" b="0" dirty="0">
+              <a:rPr lang="en-US" altLang="zh-TW" b="0" dirty="0">
                 <a:solidFill>
                   <a:srgbClr val="000000"/>
                 </a:solidFill>
@@ -5885,7 +6315,7 @@
               <a:t> </a:t>
             </a:r>
             <a:r>
-              <a:rPr lang="fr-FR" altLang="zh-TW" b="0" dirty="0">
+              <a:rPr lang="en-US" altLang="zh-TW" b="0" dirty="0">
                 <a:solidFill>
                   <a:srgbClr val="001080"/>
                 </a:solidFill>
@@ -5895,7 +6325,7 @@
               <a:t>ans1</a:t>
             </a:r>
             <a:r>
-              <a:rPr lang="fr-FR" altLang="zh-TW" b="0" dirty="0">
+              <a:rPr lang="en-US" altLang="zh-TW" b="0" dirty="0">
                 <a:solidFill>
                   <a:srgbClr val="000000"/>
                 </a:solidFill>
@@ -5905,7 +6335,7 @@
               <a:t> </a:t>
             </a:r>
             <a:r>
-              <a:rPr lang="fr-FR" altLang="zh-TW" b="0" dirty="0">
+              <a:rPr lang="en-US" altLang="zh-TW" b="0" dirty="0">
                 <a:solidFill>
                   <a:srgbClr val="795E26"/>
                 </a:solidFill>
@@ -5915,7 +6345,7 @@
               <a:t>&lt;&lt;</a:t>
             </a:r>
             <a:r>
-              <a:rPr lang="fr-FR" altLang="zh-TW" b="0" dirty="0">
+              <a:rPr lang="en-US" altLang="zh-TW" b="0" dirty="0">
                 <a:solidFill>
                   <a:srgbClr val="000000"/>
                 </a:solidFill>
@@ -5925,7 +6355,7 @@
               <a:t> </a:t>
             </a:r>
             <a:r>
-              <a:rPr lang="fr-FR" altLang="zh-TW" b="0" dirty="0">
+              <a:rPr lang="en-US" altLang="zh-TW" b="0" dirty="0">
                 <a:solidFill>
                   <a:srgbClr val="A31515"/>
                 </a:solidFill>
@@ -5935,7 +6365,7 @@
               <a:t>"</a:t>
             </a:r>
             <a:r>
-              <a:rPr lang="fr-FR" altLang="zh-TW" b="0" dirty="0">
+              <a:rPr lang="en-US" altLang="zh-TW" b="0" dirty="0">
                 <a:solidFill>
                   <a:srgbClr val="EE0000"/>
                 </a:solidFill>
@@ -5945,7 +6375,7 @@
               <a:t>\t</a:t>
             </a:r>
             <a:r>
-              <a:rPr lang="fr-FR" altLang="zh-TW" b="0" dirty="0">
+              <a:rPr lang="en-US" altLang="zh-TW" b="0" dirty="0">
                 <a:solidFill>
                   <a:srgbClr val="A31515"/>
                 </a:solidFill>
@@ -5955,7 +6385,7 @@
               <a:t>"</a:t>
             </a:r>
             <a:r>
-              <a:rPr lang="fr-FR" altLang="zh-TW" b="0" dirty="0">
+              <a:rPr lang="en-US" altLang="zh-TW" b="0" dirty="0">
                 <a:solidFill>
                   <a:srgbClr val="000000"/>
                 </a:solidFill>
@@ -5965,7 +6395,7 @@
               <a:t> </a:t>
             </a:r>
             <a:r>
-              <a:rPr lang="fr-FR" altLang="zh-TW" b="0" dirty="0">
+              <a:rPr lang="en-US" altLang="zh-TW" b="0" dirty="0">
                 <a:solidFill>
                   <a:srgbClr val="795E26"/>
                 </a:solidFill>
@@ -5975,7 +6405,7 @@
               <a:t>&lt;&lt;</a:t>
             </a:r>
             <a:r>
-              <a:rPr lang="fr-FR" altLang="zh-TW" b="0" dirty="0">
+              <a:rPr lang="en-US" altLang="zh-TW" b="0" dirty="0">
                 <a:solidFill>
                   <a:srgbClr val="000000"/>
                 </a:solidFill>
@@ -5985,7 +6415,7 @@
               <a:t> </a:t>
             </a:r>
             <a:r>
-              <a:rPr lang="fr-FR" altLang="zh-TW" b="0" dirty="0">
+              <a:rPr lang="en-US" altLang="zh-TW" b="0" dirty="0">
                 <a:solidFill>
                   <a:srgbClr val="001080"/>
                 </a:solidFill>
@@ -5995,7 +6425,7 @@
               <a:t>x1</a:t>
             </a:r>
             <a:r>
-              <a:rPr lang="fr-FR" altLang="zh-TW" b="0" dirty="0">
+              <a:rPr lang="en-US" altLang="zh-TW" b="0" dirty="0">
                 <a:solidFill>
                   <a:srgbClr val="000000"/>
                 </a:solidFill>
@@ -6005,7 +6435,7 @@
               <a:t> </a:t>
             </a:r>
             <a:r>
-              <a:rPr lang="fr-FR" altLang="zh-TW" b="0" dirty="0">
+              <a:rPr lang="en-US" altLang="zh-TW" b="0" dirty="0">
                 <a:solidFill>
                   <a:srgbClr val="795E26"/>
                 </a:solidFill>
@@ -6015,7 +6445,7 @@
               <a:t>&lt;&lt;</a:t>
             </a:r>
             <a:r>
-              <a:rPr lang="fr-FR" altLang="zh-TW" b="0" dirty="0">
+              <a:rPr lang="en-US" altLang="zh-TW" b="0" dirty="0">
                 <a:solidFill>
                   <a:srgbClr val="000000"/>
                 </a:solidFill>
@@ -6025,7 +6455,7 @@
               <a:t> </a:t>
             </a:r>
             <a:r>
-              <a:rPr lang="fr-FR" altLang="zh-TW" b="0" dirty="0">
+              <a:rPr lang="en-US" altLang="zh-TW" b="0" dirty="0">
                 <a:solidFill>
                   <a:srgbClr val="A31515"/>
                 </a:solidFill>
@@ -6035,7 +6465,7 @@
               <a:t>"</a:t>
             </a:r>
             <a:r>
-              <a:rPr lang="fr-FR" altLang="zh-TW" b="0" dirty="0">
+              <a:rPr lang="en-US" altLang="zh-TW" b="0" dirty="0">
                 <a:solidFill>
                   <a:srgbClr val="EE0000"/>
                 </a:solidFill>
@@ -6045,7 +6475,7 @@
               <a:t>\t</a:t>
             </a:r>
             <a:r>
-              <a:rPr lang="fr-FR" altLang="zh-TW" b="0" dirty="0">
+              <a:rPr lang="en-US" altLang="zh-TW" b="0" dirty="0">
                 <a:solidFill>
                   <a:srgbClr val="A31515"/>
                 </a:solidFill>
@@ -6055,7 +6485,7 @@
               <a:t>"</a:t>
             </a:r>
             <a:r>
-              <a:rPr lang="fr-FR" altLang="zh-TW" b="0" dirty="0">
+              <a:rPr lang="en-US" altLang="zh-TW" b="0" dirty="0">
                 <a:solidFill>
                   <a:srgbClr val="000000"/>
                 </a:solidFill>
@@ -6065,7 +6495,7 @@
               <a:t> </a:t>
             </a:r>
             <a:r>
-              <a:rPr lang="fr-FR" altLang="zh-TW" b="0" dirty="0">
+              <a:rPr lang="en-US" altLang="zh-TW" b="0" dirty="0">
                 <a:solidFill>
                   <a:srgbClr val="795E26"/>
                 </a:solidFill>
@@ -6075,7 +6505,7 @@
               <a:t>&lt;&lt;</a:t>
             </a:r>
             <a:r>
-              <a:rPr lang="fr-FR" altLang="zh-TW" b="0" dirty="0">
+              <a:rPr lang="en-US" altLang="zh-TW" b="0" dirty="0">
                 <a:solidFill>
                   <a:srgbClr val="000000"/>
                 </a:solidFill>
@@ -6085,7 +6515,47 @@
               <a:t>  </a:t>
             </a:r>
             <a:r>
-              <a:rPr lang="fr-FR" altLang="zh-TW" b="0" dirty="0">
+              <a:rPr lang="en-US" altLang="zh-TW" b="0" dirty="0">
+                <a:solidFill>
+                  <a:srgbClr val="001080"/>
+                </a:solidFill>
+                <a:effectLst/>
+                <a:latin typeface="Consolas" panose="020B0609020204030204" pitchFamily="49" charset="0"/>
+              </a:rPr>
+              <a:t>err1</a:t>
+            </a:r>
+            <a:r>
+              <a:rPr lang="en-US" altLang="zh-TW" b="0" dirty="0">
+                <a:solidFill>
+                  <a:srgbClr val="000000"/>
+                </a:solidFill>
+                <a:effectLst/>
+                <a:latin typeface="Consolas" panose="020B0609020204030204" pitchFamily="49" charset="0"/>
+              </a:rPr>
+              <a:t> </a:t>
+            </a:r>
+            <a:r>
+              <a:rPr lang="en-US" altLang="zh-TW" b="0" dirty="0">
+                <a:solidFill>
+                  <a:srgbClr val="795E26"/>
+                </a:solidFill>
+                <a:effectLst/>
+                <a:latin typeface="Consolas" panose="020B0609020204030204" pitchFamily="49" charset="0"/>
+              </a:rPr>
+              <a:t>&lt;&lt;</a:t>
+            </a:r>
+            <a:r>
+              <a:rPr lang="en-US" altLang="zh-TW" b="0" dirty="0">
+                <a:solidFill>
+                  <a:srgbClr val="000000"/>
+                </a:solidFill>
+                <a:effectLst/>
+                <a:latin typeface="Consolas" panose="020B0609020204030204" pitchFamily="49" charset="0"/>
+              </a:rPr>
+              <a:t> </a:t>
+            </a:r>
+            <a:r>
+              <a:rPr lang="en-US" altLang="zh-TW" b="0" dirty="0">
                 <a:solidFill>
                   <a:srgbClr val="267F99"/>
                 </a:solidFill>
@@ -6095,7 +6565,7 @@
               <a:t>std</a:t>
             </a:r>
             <a:r>
-              <a:rPr lang="fr-FR" altLang="zh-TW" b="0" dirty="0">
+              <a:rPr lang="en-US" altLang="zh-TW" b="0" dirty="0">
                 <a:solidFill>
                   <a:srgbClr val="000000"/>
                 </a:solidFill>
@@ -6105,97 +6575,209 @@
               <a:t>::</a:t>
             </a:r>
             <a:r>
-              <a:rPr lang="fr-FR" altLang="zh-TW" b="0" dirty="0">
+              <a:rPr lang="en-US" altLang="zh-TW" b="0" dirty="0" err="1">
                 <a:solidFill>
                   <a:srgbClr val="795E26"/>
                 </a:solidFill>
                 <a:effectLst/>
                 <a:latin typeface="Consolas" panose="020B0609020204030204" pitchFamily="49" charset="0"/>
               </a:rPr>
-              <a:t>abs</a:t>
-            </a:r>
-            <a:r>
-              <a:rPr lang="fr-FR" altLang="zh-TW" b="0" dirty="0">
-                <a:solidFill>
-                  <a:srgbClr val="000000"/>
-                </a:solidFill>
-                <a:effectLst/>
-                <a:latin typeface="Consolas" panose="020B0609020204030204" pitchFamily="49" charset="0"/>
-              </a:rPr>
-              <a:t>(</a:t>
-            </a:r>
-            <a:r>
-              <a:rPr lang="fr-FR" altLang="zh-TW" b="0" dirty="0">
+              <a:t>endl</a:t>
+            </a:r>
+            <a:r>
+              <a:rPr lang="en-US" altLang="zh-TW" b="0" dirty="0">
+                <a:solidFill>
+                  <a:srgbClr val="000000"/>
+                </a:solidFill>
+                <a:effectLst/>
+                <a:latin typeface="Consolas" panose="020B0609020204030204" pitchFamily="49" charset="0"/>
+              </a:rPr>
+              <a:t>;</a:t>
+            </a:r>
+          </a:p>
+          <a:p>
+            <a:r>
+              <a:rPr lang="en-US" altLang="zh-TW" b="0" dirty="0">
+                <a:solidFill>
+                  <a:srgbClr val="000000"/>
+                </a:solidFill>
+                <a:effectLst/>
+                <a:latin typeface="Consolas" panose="020B0609020204030204" pitchFamily="49" charset="0"/>
+              </a:rPr>
+              <a:t>    </a:t>
+            </a:r>
+            <a:r>
+              <a:rPr lang="en-US" altLang="zh-TW" b="0" dirty="0">
+                <a:solidFill>
+                  <a:srgbClr val="267F99"/>
+                </a:solidFill>
+                <a:effectLst/>
+                <a:latin typeface="Consolas" panose="020B0609020204030204" pitchFamily="49" charset="0"/>
+              </a:rPr>
+              <a:t>std</a:t>
+            </a:r>
+            <a:r>
+              <a:rPr lang="en-US" altLang="zh-TW" b="0" dirty="0">
+                <a:solidFill>
+                  <a:srgbClr val="000000"/>
+                </a:solidFill>
+                <a:effectLst/>
+                <a:latin typeface="Consolas" panose="020B0609020204030204" pitchFamily="49" charset="0"/>
+              </a:rPr>
+              <a:t>::</a:t>
+            </a:r>
+            <a:r>
+              <a:rPr lang="en-US" altLang="zh-TW" b="0" dirty="0" err="1">
                 <a:solidFill>
                   <a:srgbClr val="001080"/>
                 </a:solidFill>
                 <a:effectLst/>
                 <a:latin typeface="Consolas" panose="020B0609020204030204" pitchFamily="49" charset="0"/>
               </a:rPr>
-              <a:t>x1</a:t>
-            </a:r>
-            <a:r>
-              <a:rPr lang="fr-FR" altLang="zh-TW" b="0" dirty="0">
-                <a:solidFill>
-                  <a:srgbClr val="000000"/>
-                </a:solidFill>
-                <a:effectLst/>
-                <a:latin typeface="Consolas" panose="020B0609020204030204" pitchFamily="49" charset="0"/>
-              </a:rPr>
-              <a:t> - </a:t>
-            </a:r>
-            <a:r>
-              <a:rPr lang="fr-FR" altLang="zh-TW" b="0" dirty="0">
+              <a:t>cout</a:t>
+            </a:r>
+            <a:r>
+              <a:rPr lang="en-US" altLang="zh-TW" b="0" dirty="0">
+                <a:solidFill>
+                  <a:srgbClr val="000000"/>
+                </a:solidFill>
+                <a:effectLst/>
+                <a:latin typeface="Consolas" panose="020B0609020204030204" pitchFamily="49" charset="0"/>
+              </a:rPr>
+              <a:t> </a:t>
+            </a:r>
+            <a:r>
+              <a:rPr lang="en-US" altLang="zh-TW" b="0" dirty="0">
+                <a:solidFill>
+                  <a:srgbClr val="795E26"/>
+                </a:solidFill>
+                <a:effectLst/>
+                <a:latin typeface="Consolas" panose="020B0609020204030204" pitchFamily="49" charset="0"/>
+              </a:rPr>
+              <a:t>&lt;&lt;</a:t>
+            </a:r>
+            <a:r>
+              <a:rPr lang="en-US" altLang="zh-TW" b="0" dirty="0">
+                <a:solidFill>
+                  <a:srgbClr val="000000"/>
+                </a:solidFill>
+                <a:effectLst/>
+                <a:latin typeface="Consolas" panose="020B0609020204030204" pitchFamily="49" charset="0"/>
+              </a:rPr>
+              <a:t> </a:t>
+            </a:r>
+            <a:r>
+              <a:rPr lang="en-US" altLang="zh-TW" b="0" dirty="0">
                 <a:solidFill>
                   <a:srgbClr val="001080"/>
                 </a:solidFill>
                 <a:effectLst/>
                 <a:latin typeface="Consolas" panose="020B0609020204030204" pitchFamily="49" charset="0"/>
               </a:rPr>
-              <a:t>ans1</a:t>
-            </a:r>
-            <a:r>
-              <a:rPr lang="fr-FR" altLang="zh-TW" b="0" dirty="0">
-                <a:solidFill>
-                  <a:srgbClr val="000000"/>
-                </a:solidFill>
-                <a:effectLst/>
-                <a:latin typeface="Consolas" panose="020B0609020204030204" pitchFamily="49" charset="0"/>
-              </a:rPr>
-              <a:t>) / </a:t>
-            </a:r>
-            <a:r>
-              <a:rPr lang="fr-FR" altLang="zh-TW" b="0" dirty="0">
+              <a:t>ans2</a:t>
+            </a:r>
+            <a:r>
+              <a:rPr lang="en-US" altLang="zh-TW" b="0" dirty="0">
+                <a:solidFill>
+                  <a:srgbClr val="000000"/>
+                </a:solidFill>
+                <a:effectLst/>
+                <a:latin typeface="Consolas" panose="020B0609020204030204" pitchFamily="49" charset="0"/>
+              </a:rPr>
+              <a:t> </a:t>
+            </a:r>
+            <a:r>
+              <a:rPr lang="en-US" altLang="zh-TW" b="0" dirty="0">
+                <a:solidFill>
+                  <a:srgbClr val="795E26"/>
+                </a:solidFill>
+                <a:effectLst/>
+                <a:latin typeface="Consolas" panose="020B0609020204030204" pitchFamily="49" charset="0"/>
+              </a:rPr>
+              <a:t>&lt;&lt;</a:t>
+            </a:r>
+            <a:r>
+              <a:rPr lang="en-US" altLang="zh-TW" b="0" dirty="0">
+                <a:solidFill>
+                  <a:srgbClr val="000000"/>
+                </a:solidFill>
+                <a:effectLst/>
+                <a:latin typeface="Consolas" panose="020B0609020204030204" pitchFamily="49" charset="0"/>
+              </a:rPr>
+              <a:t> </a:t>
+            </a:r>
+            <a:r>
+              <a:rPr lang="en-US" altLang="zh-TW" b="0" dirty="0">
+                <a:solidFill>
+                  <a:srgbClr val="A31515"/>
+                </a:solidFill>
+                <a:effectLst/>
+                <a:latin typeface="Consolas" panose="020B0609020204030204" pitchFamily="49" charset="0"/>
+              </a:rPr>
+              <a:t>"</a:t>
+            </a:r>
+            <a:r>
+              <a:rPr lang="en-US" altLang="zh-TW" b="0" dirty="0">
+                <a:solidFill>
+                  <a:srgbClr val="EE0000"/>
+                </a:solidFill>
+                <a:effectLst/>
+                <a:latin typeface="Consolas" panose="020B0609020204030204" pitchFamily="49" charset="0"/>
+              </a:rPr>
+              <a:t>\t</a:t>
+            </a:r>
+            <a:r>
+              <a:rPr lang="en-US" altLang="zh-TW" b="0" dirty="0">
+                <a:solidFill>
+                  <a:srgbClr val="A31515"/>
+                </a:solidFill>
+                <a:effectLst/>
+                <a:latin typeface="Consolas" panose="020B0609020204030204" pitchFamily="49" charset="0"/>
+              </a:rPr>
+              <a:t>"</a:t>
+            </a:r>
+            <a:r>
+              <a:rPr lang="en-US" altLang="zh-TW" b="0" dirty="0">
+                <a:solidFill>
+                  <a:srgbClr val="000000"/>
+                </a:solidFill>
+                <a:effectLst/>
+                <a:latin typeface="Consolas" panose="020B0609020204030204" pitchFamily="49" charset="0"/>
+              </a:rPr>
+              <a:t> </a:t>
+            </a:r>
+            <a:r>
+              <a:rPr lang="en-US" altLang="zh-TW" b="0" dirty="0">
+                <a:solidFill>
+                  <a:srgbClr val="795E26"/>
+                </a:solidFill>
+                <a:effectLst/>
+                <a:latin typeface="Consolas" panose="020B0609020204030204" pitchFamily="49" charset="0"/>
+              </a:rPr>
+              <a:t>&lt;&lt;</a:t>
+            </a:r>
+            <a:r>
+              <a:rPr lang="en-US" altLang="zh-TW" b="0" dirty="0">
+                <a:solidFill>
+                  <a:srgbClr val="000000"/>
+                </a:solidFill>
+                <a:effectLst/>
+                <a:latin typeface="Consolas" panose="020B0609020204030204" pitchFamily="49" charset="0"/>
+              </a:rPr>
+              <a:t> </a:t>
+            </a:r>
+            <a:r>
+              <a:rPr lang="en-US" altLang="zh-TW" b="0" dirty="0">
                 <a:solidFill>
                   <a:srgbClr val="001080"/>
                 </a:solidFill>
                 <a:effectLst/>
                 <a:latin typeface="Consolas" panose="020B0609020204030204" pitchFamily="49" charset="0"/>
               </a:rPr>
-              <a:t>ans1</a:t>
-            </a:r>
-            <a:r>
-              <a:rPr lang="fr-FR" altLang="zh-TW" b="0" dirty="0">
-                <a:solidFill>
-                  <a:srgbClr val="000000"/>
-                </a:solidFill>
-                <a:effectLst/>
-                <a:latin typeface="Consolas" panose="020B0609020204030204" pitchFamily="49" charset="0"/>
-              </a:rPr>
-              <a:t> * </a:t>
-            </a:r>
-            <a:r>
-              <a:rPr lang="fr-FR" altLang="zh-TW" b="0" dirty="0">
-                <a:solidFill>
-                  <a:srgbClr val="098658"/>
-                </a:solidFill>
-                <a:effectLst/>
-                <a:latin typeface="Consolas" panose="020B0609020204030204" pitchFamily="49" charset="0"/>
-              </a:rPr>
-              <a:t>100</a:t>
-            </a:r>
-            <a:r>
-              <a:rPr lang="fr-FR" altLang="zh-TW" b="0" dirty="0">
+              <a:t>x2</a:t>
+            </a:r>
+            <a:r>
+              <a:rPr lang="en-US" altLang="zh-TW" b="0" dirty="0">
                 <a:solidFill>
                   <a:srgbClr val="000000"/>
                 </a:solidFill>
@@ -6205,7 +6787,7 @@
               <a:t> </a:t>
             </a:r>
             <a:r>
-              <a:rPr lang="fr-FR" altLang="zh-TW" b="0" dirty="0">
+              <a:rPr lang="en-US" altLang="zh-TW" b="0" dirty="0">
                 <a:solidFill>
                   <a:srgbClr val="795E26"/>
                 </a:solidFill>
@@ -6215,7 +6797,7 @@
               <a:t>&lt;&lt;</a:t>
             </a:r>
             <a:r>
-              <a:rPr lang="fr-FR" altLang="zh-TW" b="0" dirty="0">
+              <a:rPr lang="en-US" altLang="zh-TW" b="0" dirty="0">
                 <a:solidFill>
                   <a:srgbClr val="000000"/>
                 </a:solidFill>
@@ -6225,7 +6807,107 @@
               <a:t> </a:t>
             </a:r>
             <a:r>
-              <a:rPr lang="fr-FR" altLang="zh-TW" b="0" dirty="0">
+              <a:rPr lang="en-US" altLang="zh-TW" b="0" dirty="0">
+                <a:solidFill>
+                  <a:srgbClr val="A31515"/>
+                </a:solidFill>
+                <a:effectLst/>
+                <a:latin typeface="Consolas" panose="020B0609020204030204" pitchFamily="49" charset="0"/>
+              </a:rPr>
+              <a:t>"</a:t>
+            </a:r>
+            <a:r>
+              <a:rPr lang="en-US" altLang="zh-TW" b="0" dirty="0">
+                <a:solidFill>
+                  <a:srgbClr val="EE0000"/>
+                </a:solidFill>
+                <a:effectLst/>
+                <a:latin typeface="Consolas" panose="020B0609020204030204" pitchFamily="49" charset="0"/>
+              </a:rPr>
+              <a:t>\t</a:t>
+            </a:r>
+            <a:r>
+              <a:rPr lang="en-US" altLang="zh-TW" b="0" dirty="0">
+                <a:solidFill>
+                  <a:srgbClr val="A31515"/>
+                </a:solidFill>
+                <a:effectLst/>
+                <a:latin typeface="Consolas" panose="020B0609020204030204" pitchFamily="49" charset="0"/>
+              </a:rPr>
+              <a:t>"</a:t>
+            </a:r>
+            <a:r>
+              <a:rPr lang="en-US" altLang="zh-TW" b="0" dirty="0">
+                <a:solidFill>
+                  <a:srgbClr val="000000"/>
+                </a:solidFill>
+                <a:effectLst/>
+                <a:latin typeface="Consolas" panose="020B0609020204030204" pitchFamily="49" charset="0"/>
+              </a:rPr>
+              <a:t> </a:t>
+            </a:r>
+            <a:r>
+              <a:rPr lang="en-US" altLang="zh-TW" b="0" dirty="0">
+                <a:solidFill>
+                  <a:srgbClr val="795E26"/>
+                </a:solidFill>
+                <a:effectLst/>
+                <a:latin typeface="Consolas" panose="020B0609020204030204" pitchFamily="49" charset="0"/>
+              </a:rPr>
+              <a:t>&lt;&lt;</a:t>
+            </a:r>
+            <a:r>
+              <a:rPr lang="en-US" altLang="zh-TW" b="0" dirty="0">
+                <a:solidFill>
+                  <a:srgbClr val="000000"/>
+                </a:solidFill>
+                <a:effectLst/>
+                <a:latin typeface="Consolas" panose="020B0609020204030204" pitchFamily="49" charset="0"/>
+              </a:rPr>
+              <a:t>  </a:t>
+            </a:r>
+            <a:r>
+              <a:rPr lang="en-US" altLang="zh-TW" b="0" dirty="0">
+                <a:solidFill>
+                  <a:srgbClr val="001080"/>
+                </a:solidFill>
+                <a:effectLst/>
+                <a:latin typeface="Consolas" panose="020B0609020204030204" pitchFamily="49" charset="0"/>
+              </a:rPr>
+              <a:t>err2</a:t>
+            </a:r>
+            <a:r>
+              <a:rPr lang="en-US" altLang="zh-TW" b="0" dirty="0">
+                <a:solidFill>
+                  <a:srgbClr val="000000"/>
+                </a:solidFill>
+                <a:effectLst/>
+                <a:latin typeface="Consolas" panose="020B0609020204030204" pitchFamily="49" charset="0"/>
+              </a:rPr>
+              <a:t> </a:t>
+            </a:r>
+            <a:r>
+              <a:rPr lang="en-US" altLang="zh-TW" b="0" dirty="0">
+                <a:solidFill>
+                  <a:srgbClr val="795E26"/>
+                </a:solidFill>
+                <a:effectLst/>
+                <a:latin typeface="Consolas" panose="020B0609020204030204" pitchFamily="49" charset="0"/>
+              </a:rPr>
+              <a:t>&lt;&lt;</a:t>
+            </a:r>
+            <a:r>
+              <a:rPr lang="en-US" altLang="zh-TW" b="0" dirty="0">
+                <a:solidFill>
+                  <a:srgbClr val="000000"/>
+                </a:solidFill>
+                <a:effectLst/>
+                <a:latin typeface="Consolas" panose="020B0609020204030204" pitchFamily="49" charset="0"/>
+              </a:rPr>
+              <a:t> </a:t>
+            </a:r>
+            <a:r>
+              <a:rPr lang="en-US" altLang="zh-TW" b="0" dirty="0">
                 <a:solidFill>
                   <a:srgbClr val="267F99"/>
                 </a:solidFill>
@@ -6235,7 +6917,7 @@
               <a:t>std</a:t>
             </a:r>
             <a:r>
-              <a:rPr lang="fr-FR" altLang="zh-TW" b="0" dirty="0">
+              <a:rPr lang="en-US" altLang="zh-TW" b="0" dirty="0">
                 <a:solidFill>
                   <a:srgbClr val="000000"/>
                 </a:solidFill>
@@ -6245,7 +6927,7 @@
               <a:t>::</a:t>
             </a:r>
             <a:r>
-              <a:rPr lang="fr-FR" altLang="zh-TW" b="0" dirty="0">
+              <a:rPr lang="en-US" altLang="zh-TW" b="0" dirty="0" err="1">
                 <a:solidFill>
                   <a:srgbClr val="795E26"/>
                 </a:solidFill>
@@ -6255,449 +6937,7 @@
               <a:t>endl</a:t>
             </a:r>
             <a:r>
-              <a:rPr lang="fr-FR" altLang="zh-TW" b="0" dirty="0">
-                <a:solidFill>
-                  <a:srgbClr val="000000"/>
-                </a:solidFill>
-                <a:effectLst/>
-                <a:latin typeface="Consolas" panose="020B0609020204030204" pitchFamily="49" charset="0"/>
-              </a:rPr>
-              <a:t>;</a:t>
-            </a:r>
-          </a:p>
-          <a:p>
-            <a:r>
-              <a:rPr lang="fr-FR" altLang="zh-TW" b="0" dirty="0">
-                <a:solidFill>
-                  <a:srgbClr val="267F99"/>
-                </a:solidFill>
-                <a:effectLst/>
-                <a:latin typeface="Consolas" panose="020B0609020204030204" pitchFamily="49" charset="0"/>
-              </a:rPr>
-              <a:t>std</a:t>
-            </a:r>
-            <a:r>
-              <a:rPr lang="fr-FR" altLang="zh-TW" b="0" dirty="0">
-                <a:solidFill>
-                  <a:srgbClr val="000000"/>
-                </a:solidFill>
-                <a:effectLst/>
-                <a:latin typeface="Consolas" panose="020B0609020204030204" pitchFamily="49" charset="0"/>
-              </a:rPr>
-              <a:t>::</a:t>
-            </a:r>
-            <a:r>
-              <a:rPr lang="fr-FR" altLang="zh-TW" b="0" dirty="0">
-                <a:solidFill>
-                  <a:srgbClr val="001080"/>
-                </a:solidFill>
-                <a:effectLst/>
-                <a:latin typeface="Consolas" panose="020B0609020204030204" pitchFamily="49" charset="0"/>
-              </a:rPr>
-              <a:t>cout</a:t>
-            </a:r>
-            <a:r>
-              <a:rPr lang="fr-FR" altLang="zh-TW" b="0" dirty="0">
-                <a:solidFill>
-                  <a:srgbClr val="000000"/>
-                </a:solidFill>
-                <a:effectLst/>
-                <a:latin typeface="Consolas" panose="020B0609020204030204" pitchFamily="49" charset="0"/>
-              </a:rPr>
-              <a:t> </a:t>
-            </a:r>
-            <a:r>
-              <a:rPr lang="fr-FR" altLang="zh-TW" b="0" dirty="0">
-                <a:solidFill>
-                  <a:srgbClr val="795E26"/>
-                </a:solidFill>
-                <a:effectLst/>
-                <a:latin typeface="Consolas" panose="020B0609020204030204" pitchFamily="49" charset="0"/>
-              </a:rPr>
-              <a:t>&lt;&lt;</a:t>
-            </a:r>
-            <a:r>
-              <a:rPr lang="fr-FR" altLang="zh-TW" b="0" dirty="0">
-                <a:solidFill>
-                  <a:srgbClr val="000000"/>
-                </a:solidFill>
-                <a:effectLst/>
-                <a:latin typeface="Consolas" panose="020B0609020204030204" pitchFamily="49" charset="0"/>
-              </a:rPr>
-              <a:t> </a:t>
-            </a:r>
-            <a:r>
-              <a:rPr lang="fr-FR" altLang="zh-TW" b="0" dirty="0">
-                <a:solidFill>
-                  <a:srgbClr val="001080"/>
-                </a:solidFill>
-                <a:effectLst/>
-                <a:latin typeface="Consolas" panose="020B0609020204030204" pitchFamily="49" charset="0"/>
-              </a:rPr>
-              <a:t>ans2</a:t>
-            </a:r>
-            <a:r>
-              <a:rPr lang="fr-FR" altLang="zh-TW" b="0" dirty="0">
-                <a:solidFill>
-                  <a:srgbClr val="000000"/>
-                </a:solidFill>
-                <a:effectLst/>
-                <a:latin typeface="Consolas" panose="020B0609020204030204" pitchFamily="49" charset="0"/>
-              </a:rPr>
-              <a:t> </a:t>
-            </a:r>
-            <a:r>
-              <a:rPr lang="fr-FR" altLang="zh-TW" b="0" dirty="0">
-                <a:solidFill>
-                  <a:srgbClr val="795E26"/>
-                </a:solidFill>
-                <a:effectLst/>
-                <a:latin typeface="Consolas" panose="020B0609020204030204" pitchFamily="49" charset="0"/>
-              </a:rPr>
-              <a:t>&lt;&lt;</a:t>
-            </a:r>
-            <a:r>
-              <a:rPr lang="fr-FR" altLang="zh-TW" b="0" dirty="0">
-                <a:solidFill>
-                  <a:srgbClr val="000000"/>
-                </a:solidFill>
-                <a:effectLst/>
-                <a:latin typeface="Consolas" panose="020B0609020204030204" pitchFamily="49" charset="0"/>
-              </a:rPr>
-              <a:t> </a:t>
-            </a:r>
-            <a:r>
-              <a:rPr lang="fr-FR" altLang="zh-TW" b="0" dirty="0">
-                <a:solidFill>
-                  <a:srgbClr val="A31515"/>
-                </a:solidFill>
-                <a:effectLst/>
-                <a:latin typeface="Consolas" panose="020B0609020204030204" pitchFamily="49" charset="0"/>
-              </a:rPr>
-              <a:t>"</a:t>
-            </a:r>
-            <a:r>
-              <a:rPr lang="fr-FR" altLang="zh-TW" b="0" dirty="0">
-                <a:solidFill>
-                  <a:srgbClr val="EE0000"/>
-                </a:solidFill>
-                <a:effectLst/>
-                <a:latin typeface="Consolas" panose="020B0609020204030204" pitchFamily="49" charset="0"/>
-              </a:rPr>
-              <a:t>\t</a:t>
-            </a:r>
-            <a:r>
-              <a:rPr lang="fr-FR" altLang="zh-TW" b="0" dirty="0">
-                <a:solidFill>
-                  <a:srgbClr val="A31515"/>
-                </a:solidFill>
-                <a:effectLst/>
-                <a:latin typeface="Consolas" panose="020B0609020204030204" pitchFamily="49" charset="0"/>
-              </a:rPr>
-              <a:t>"</a:t>
-            </a:r>
-            <a:r>
-              <a:rPr lang="fr-FR" altLang="zh-TW" b="0" dirty="0">
-                <a:solidFill>
-                  <a:srgbClr val="000000"/>
-                </a:solidFill>
-                <a:effectLst/>
-                <a:latin typeface="Consolas" panose="020B0609020204030204" pitchFamily="49" charset="0"/>
-              </a:rPr>
-              <a:t> </a:t>
-            </a:r>
-            <a:r>
-              <a:rPr lang="fr-FR" altLang="zh-TW" b="0" dirty="0">
-                <a:solidFill>
-                  <a:srgbClr val="795E26"/>
-                </a:solidFill>
-                <a:effectLst/>
-                <a:latin typeface="Consolas" panose="020B0609020204030204" pitchFamily="49" charset="0"/>
-              </a:rPr>
-              <a:t>&lt;&lt;</a:t>
-            </a:r>
-            <a:r>
-              <a:rPr lang="fr-FR" altLang="zh-TW" b="0" dirty="0">
-                <a:solidFill>
-                  <a:srgbClr val="000000"/>
-                </a:solidFill>
-                <a:effectLst/>
-                <a:latin typeface="Consolas" panose="020B0609020204030204" pitchFamily="49" charset="0"/>
-              </a:rPr>
-              <a:t> </a:t>
-            </a:r>
-            <a:r>
-              <a:rPr lang="fr-FR" altLang="zh-TW" b="0" dirty="0">
-                <a:solidFill>
-                  <a:srgbClr val="001080"/>
-                </a:solidFill>
-                <a:effectLst/>
-                <a:latin typeface="Consolas" panose="020B0609020204030204" pitchFamily="49" charset="0"/>
-              </a:rPr>
-              <a:t>x2</a:t>
-            </a:r>
-            <a:r>
-              <a:rPr lang="fr-FR" altLang="zh-TW" b="0" dirty="0">
-                <a:solidFill>
-                  <a:srgbClr val="000000"/>
-                </a:solidFill>
-                <a:effectLst/>
-                <a:latin typeface="Consolas" panose="020B0609020204030204" pitchFamily="49" charset="0"/>
-              </a:rPr>
-              <a:t> </a:t>
-            </a:r>
-            <a:r>
-              <a:rPr lang="fr-FR" altLang="zh-TW" b="0" dirty="0">
-                <a:solidFill>
-                  <a:srgbClr val="795E26"/>
-                </a:solidFill>
-                <a:effectLst/>
-                <a:latin typeface="Consolas" panose="020B0609020204030204" pitchFamily="49" charset="0"/>
-              </a:rPr>
-              <a:t>&lt;&lt;</a:t>
-            </a:r>
-            <a:r>
-              <a:rPr lang="fr-FR" altLang="zh-TW" b="0" dirty="0">
-                <a:solidFill>
-                  <a:srgbClr val="000000"/>
-                </a:solidFill>
-                <a:effectLst/>
-                <a:latin typeface="Consolas" panose="020B0609020204030204" pitchFamily="49" charset="0"/>
-              </a:rPr>
-              <a:t> </a:t>
-            </a:r>
-            <a:r>
-              <a:rPr lang="fr-FR" altLang="zh-TW" b="0" dirty="0">
-                <a:solidFill>
-                  <a:srgbClr val="A31515"/>
-                </a:solidFill>
-                <a:effectLst/>
-                <a:latin typeface="Consolas" panose="020B0609020204030204" pitchFamily="49" charset="0"/>
-              </a:rPr>
-              <a:t>"</a:t>
-            </a:r>
-            <a:r>
-              <a:rPr lang="fr-FR" altLang="zh-TW" b="0" dirty="0">
-                <a:solidFill>
-                  <a:srgbClr val="EE0000"/>
-                </a:solidFill>
-                <a:effectLst/>
-                <a:latin typeface="Consolas" panose="020B0609020204030204" pitchFamily="49" charset="0"/>
-              </a:rPr>
-              <a:t>\t</a:t>
-            </a:r>
-            <a:r>
-              <a:rPr lang="fr-FR" altLang="zh-TW" b="0" dirty="0">
-                <a:solidFill>
-                  <a:srgbClr val="A31515"/>
-                </a:solidFill>
-                <a:effectLst/>
-                <a:latin typeface="Consolas" panose="020B0609020204030204" pitchFamily="49" charset="0"/>
-              </a:rPr>
-              <a:t>"</a:t>
-            </a:r>
-            <a:r>
-              <a:rPr lang="fr-FR" altLang="zh-TW" b="0" dirty="0">
-                <a:solidFill>
-                  <a:srgbClr val="000000"/>
-                </a:solidFill>
-                <a:effectLst/>
-                <a:latin typeface="Consolas" panose="020B0609020204030204" pitchFamily="49" charset="0"/>
-              </a:rPr>
-              <a:t> </a:t>
-            </a:r>
-            <a:r>
-              <a:rPr lang="fr-FR" altLang="zh-TW" b="0" dirty="0">
-                <a:solidFill>
-                  <a:srgbClr val="795E26"/>
-                </a:solidFill>
-                <a:effectLst/>
-                <a:latin typeface="Consolas" panose="020B0609020204030204" pitchFamily="49" charset="0"/>
-              </a:rPr>
-              <a:t>&lt;&lt;</a:t>
-            </a:r>
-            <a:r>
-              <a:rPr lang="fr-FR" altLang="zh-TW" b="0" dirty="0">
-                <a:solidFill>
-                  <a:srgbClr val="000000"/>
-                </a:solidFill>
-                <a:effectLst/>
-                <a:latin typeface="Consolas" panose="020B0609020204030204" pitchFamily="49" charset="0"/>
-              </a:rPr>
-              <a:t>  </a:t>
-            </a:r>
-            <a:r>
-              <a:rPr lang="fr-FR" altLang="zh-TW" b="0" dirty="0">
-                <a:solidFill>
-                  <a:srgbClr val="267F99"/>
-                </a:solidFill>
-                <a:effectLst/>
-                <a:latin typeface="Consolas" panose="020B0609020204030204" pitchFamily="49" charset="0"/>
-              </a:rPr>
-              <a:t>std</a:t>
-            </a:r>
-            <a:r>
-              <a:rPr lang="fr-FR" altLang="zh-TW" b="0" dirty="0">
-                <a:solidFill>
-                  <a:srgbClr val="000000"/>
-                </a:solidFill>
-                <a:effectLst/>
-                <a:latin typeface="Consolas" panose="020B0609020204030204" pitchFamily="49" charset="0"/>
-              </a:rPr>
-              <a:t>::</a:t>
-            </a:r>
-            <a:r>
-              <a:rPr lang="fr-FR" altLang="zh-TW" b="0" dirty="0">
-                <a:solidFill>
-                  <a:srgbClr val="795E26"/>
-                </a:solidFill>
-                <a:effectLst/>
-                <a:latin typeface="Consolas" panose="020B0609020204030204" pitchFamily="49" charset="0"/>
-              </a:rPr>
-              <a:t>abs</a:t>
-            </a:r>
-            <a:r>
-              <a:rPr lang="fr-FR" altLang="zh-TW" b="0" dirty="0">
-                <a:solidFill>
-                  <a:srgbClr val="000000"/>
-                </a:solidFill>
-                <a:effectLst/>
-                <a:latin typeface="Consolas" panose="020B0609020204030204" pitchFamily="49" charset="0"/>
-              </a:rPr>
-              <a:t>(</a:t>
-            </a:r>
-            <a:r>
-              <a:rPr lang="fr-FR" altLang="zh-TW" b="0" dirty="0">
-                <a:solidFill>
-                  <a:srgbClr val="001080"/>
-                </a:solidFill>
-                <a:effectLst/>
-                <a:latin typeface="Consolas" panose="020B0609020204030204" pitchFamily="49" charset="0"/>
-              </a:rPr>
-              <a:t>x2</a:t>
-            </a:r>
-            <a:r>
-              <a:rPr lang="fr-FR" altLang="zh-TW" b="0" dirty="0">
-                <a:solidFill>
-                  <a:srgbClr val="000000"/>
-                </a:solidFill>
-                <a:effectLst/>
-                <a:latin typeface="Consolas" panose="020B0609020204030204" pitchFamily="49" charset="0"/>
-              </a:rPr>
-              <a:t> - </a:t>
-            </a:r>
-            <a:r>
-              <a:rPr lang="fr-FR" altLang="zh-TW" b="0" dirty="0">
-                <a:solidFill>
-                  <a:srgbClr val="001080"/>
-                </a:solidFill>
-                <a:effectLst/>
-                <a:latin typeface="Consolas" panose="020B0609020204030204" pitchFamily="49" charset="0"/>
-              </a:rPr>
-              <a:t>ans2</a:t>
-            </a:r>
-            <a:r>
-              <a:rPr lang="fr-FR" altLang="zh-TW" b="0" dirty="0">
-                <a:solidFill>
-                  <a:srgbClr val="000000"/>
-                </a:solidFill>
-                <a:effectLst/>
-                <a:latin typeface="Consolas" panose="020B0609020204030204" pitchFamily="49" charset="0"/>
-              </a:rPr>
-              <a:t>) / </a:t>
-            </a:r>
-            <a:r>
-              <a:rPr lang="fr-FR" altLang="zh-TW" b="0" dirty="0">
-                <a:solidFill>
-                  <a:srgbClr val="001080"/>
-                </a:solidFill>
-                <a:effectLst/>
-                <a:latin typeface="Consolas" panose="020B0609020204030204" pitchFamily="49" charset="0"/>
-              </a:rPr>
-              <a:t>ans2</a:t>
-            </a:r>
-            <a:r>
-              <a:rPr lang="fr-FR" altLang="zh-TW" b="0" dirty="0">
-                <a:solidFill>
-                  <a:srgbClr val="000000"/>
-                </a:solidFill>
-                <a:effectLst/>
-                <a:latin typeface="Consolas" panose="020B0609020204030204" pitchFamily="49" charset="0"/>
-              </a:rPr>
-              <a:t> * </a:t>
-            </a:r>
-            <a:r>
-              <a:rPr lang="fr-FR" altLang="zh-TW" b="0" dirty="0">
-                <a:solidFill>
-                  <a:srgbClr val="098658"/>
-                </a:solidFill>
-                <a:effectLst/>
-                <a:latin typeface="Consolas" panose="020B0609020204030204" pitchFamily="49" charset="0"/>
-              </a:rPr>
-              <a:t>100</a:t>
-            </a:r>
-            <a:r>
-              <a:rPr lang="fr-FR" altLang="zh-TW" b="0" dirty="0">
-                <a:solidFill>
-                  <a:srgbClr val="000000"/>
-                </a:solidFill>
-                <a:effectLst/>
-                <a:latin typeface="Consolas" panose="020B0609020204030204" pitchFamily="49" charset="0"/>
-              </a:rPr>
-              <a:t> </a:t>
-            </a:r>
-            <a:r>
-              <a:rPr lang="fr-FR" altLang="zh-TW" b="0" dirty="0">
-                <a:solidFill>
-                  <a:srgbClr val="795E26"/>
-                </a:solidFill>
-                <a:effectLst/>
-                <a:latin typeface="Consolas" panose="020B0609020204030204" pitchFamily="49" charset="0"/>
-              </a:rPr>
-              <a:t>&lt;&lt;</a:t>
-            </a:r>
-            <a:r>
-              <a:rPr lang="fr-FR" altLang="zh-TW" b="0" dirty="0">
-                <a:solidFill>
-                  <a:srgbClr val="000000"/>
-                </a:solidFill>
-                <a:effectLst/>
-                <a:latin typeface="Consolas" panose="020B0609020204030204" pitchFamily="49" charset="0"/>
-              </a:rPr>
-              <a:t> </a:t>
-            </a:r>
-            <a:r>
-              <a:rPr lang="fr-FR" altLang="zh-TW" b="0" dirty="0">
-                <a:solidFill>
-                  <a:srgbClr val="267F99"/>
-                </a:solidFill>
-                <a:effectLst/>
-                <a:latin typeface="Consolas" panose="020B0609020204030204" pitchFamily="49" charset="0"/>
-              </a:rPr>
-              <a:t>std</a:t>
-            </a:r>
-            <a:r>
-              <a:rPr lang="fr-FR" altLang="zh-TW" b="0" dirty="0">
-                <a:solidFill>
-                  <a:srgbClr val="000000"/>
-                </a:solidFill>
-                <a:effectLst/>
-                <a:latin typeface="Consolas" panose="020B0609020204030204" pitchFamily="49" charset="0"/>
-              </a:rPr>
-              <a:t>::</a:t>
-            </a:r>
-            <a:r>
-              <a:rPr lang="fr-FR" altLang="zh-TW" b="0" dirty="0">
-                <a:solidFill>
-                  <a:srgbClr val="795E26"/>
-                </a:solidFill>
-                <a:effectLst/>
-                <a:latin typeface="Consolas" panose="020B0609020204030204" pitchFamily="49" charset="0"/>
-              </a:rPr>
-              <a:t>endl</a:t>
-            </a:r>
-            <a:r>
-              <a:rPr lang="fr-FR" altLang="zh-TW" b="0" dirty="0">
+              <a:rPr lang="en-US" altLang="zh-TW" b="0">
                 <a:solidFill>
                   <a:srgbClr val="000000"/>
                 </a:solidFill>
@@ -8045,7 +8285,7 @@
                     <m:f>
                       <m:fPr>
                         <m:ctrlPr>
-                          <a:rPr lang="en-US" altLang="zh-TW" smtClean="0">
+                          <a:rPr lang="en-US" altLang="zh-TW" i="1" smtClean="0">
                             <a:latin typeface="Cambria Math" panose="02040503050406030204" pitchFamily="18" charset="0"/>
                           </a:rPr>
                         </m:ctrlPr>
@@ -8076,7 +8316,7 @@
                           <m:radPr>
                             <m:degHide m:val="on"/>
                             <m:ctrlPr>
-                              <a:rPr lang="en-US" altLang="zh-TW" smtClean="0">
+                              <a:rPr lang="en-US" altLang="zh-TW" i="1" smtClean="0">
                                 <a:latin typeface="Cambria Math" panose="02040503050406030204" pitchFamily="18" charset="0"/>
                               </a:rPr>
                             </m:ctrlPr>
@@ -8086,7 +8326,7 @@
                             <m:sSup>
                               <m:sSupPr>
                                 <m:ctrlPr>
-                                  <a:rPr lang="en-US" altLang="zh-TW" smtClean="0">
+                                  <a:rPr lang="en-US" altLang="zh-TW" i="1" smtClean="0">
                                     <a:latin typeface="Cambria Math" panose="02040503050406030204" pitchFamily="18" charset="0"/>
                                   </a:rPr>
                                 </m:ctrlPr>
@@ -8285,92 +8525,85 @@
                       </a:rPr>
                       <m:t>=</m:t>
                     </m:r>
-                    <m:f>
-                      <m:fPr>
+                    <m:d>
+                      <m:dPr>
+                        <m:begChr m:val="|"/>
+                        <m:endChr m:val="|"/>
                         <m:ctrlPr>
-                          <a:rPr lang="en-US" altLang="zh-TW" b="0" i="1" smtClean="0">
+                          <a:rPr lang="en-US" altLang="zh-TW" i="1">
                             <a:latin typeface="Cambria Math" panose="02040503050406030204" pitchFamily="18" charset="0"/>
                           </a:rPr>
                         </m:ctrlPr>
-                      </m:fPr>
-                      <m:num>
-                        <m:d>
-                          <m:dPr>
-                            <m:begChr m:val="|"/>
-                            <m:endChr m:val="|"/>
+                      </m:dPr>
+                      <m:e>
+                        <m:f>
+                          <m:fPr>
                             <m:ctrlPr>
-                              <a:rPr lang="en-US" altLang="zh-TW" b="0" i="1" smtClean="0">
+                              <a:rPr lang="en-US" altLang="zh-TW" i="1">
                                 <a:latin typeface="Cambria Math" panose="02040503050406030204" pitchFamily="18" charset="0"/>
                               </a:rPr>
                             </m:ctrlPr>
-                          </m:dPr>
-                          <m:e>
+                          </m:fPr>
+                          <m:num>
                             <m:r>
-                              <a:rPr lang="en-US" altLang="zh-TW" b="0" i="1" smtClean="0">
+                              <a:rPr lang="en-US" altLang="zh-TW" i="1">
                                 <a:latin typeface="Cambria Math" panose="02040503050406030204" pitchFamily="18" charset="0"/>
                               </a:rPr>
                               <m:t>𝑥</m:t>
                             </m:r>
                             <m:r>
-                              <a:rPr lang="en-US" altLang="zh-TW" b="0" i="1" smtClean="0">
+                              <a:rPr lang="en-US" altLang="zh-TW" i="1">
                                 <a:latin typeface="Cambria Math" panose="02040503050406030204" pitchFamily="18" charset="0"/>
                               </a:rPr>
                               <m:t>−</m:t>
                             </m:r>
                             <m:r>
-                              <a:rPr lang="en-US" altLang="zh-TW" b="0" i="1" smtClean="0">
+                              <a:rPr lang="en-US" altLang="zh-TW" i="1">
                                 <a:latin typeface="Cambria Math" panose="02040503050406030204" pitchFamily="18" charset="0"/>
                               </a:rPr>
                               <m:t>𝑎𝑛𝑠</m:t>
                             </m:r>
-                          </m:e>
-                        </m:d>
-                      </m:num>
-                      <m:den>
-                        <m:r>
-                          <a:rPr lang="en-US" altLang="zh-TW" b="0" i="1" smtClean="0">
-                            <a:latin typeface="Cambria Math" panose="02040503050406030204" pitchFamily="18" charset="0"/>
-                          </a:rPr>
-                          <m:t>𝑎𝑛𝑠</m:t>
-                        </m:r>
-                      </m:den>
-                    </m:f>
+                          </m:num>
+                          <m:den>
+                            <m:r>
+                              <a:rPr lang="en-US" altLang="zh-TW" i="1">
+                                <a:latin typeface="Cambria Math" panose="02040503050406030204" pitchFamily="18" charset="0"/>
+                              </a:rPr>
+                              <m:t>𝑎𝑛𝑠</m:t>
+                            </m:r>
+                          </m:den>
+                        </m:f>
+                      </m:e>
+                    </m:d>
                     <m:r>
                       <a:rPr lang="en-US" altLang="zh-TW" b="0" i="1" smtClean="0">
                         <a:latin typeface="Cambria Math" panose="02040503050406030204" pitchFamily="18" charset="0"/>
                         <a:ea typeface="Cambria Math" panose="02040503050406030204" pitchFamily="18" charset="0"/>
                       </a:rPr>
-                      <m:t>×100%</m:t>
+                      <m:t>×100%→</m:t>
                     </m:r>
-                    <m:r>
-                      <a:rPr lang="en-US" altLang="zh-TW" b="0" i="1" smtClean="0">
-                        <a:latin typeface="Cambria Math" panose="02040503050406030204" pitchFamily="18" charset="0"/>
-                        <a:ea typeface="Cambria Math" panose="02040503050406030204" pitchFamily="18" charset="0"/>
-                      </a:rPr>
-                      <m:t>→</m:t>
-                    </m:r>
-                    <m:f>
-                      <m:fPr>
+                    <m:d>
+                      <m:dPr>
+                        <m:begChr m:val="|"/>
+                        <m:endChr m:val="|"/>
                         <m:ctrlPr>
                           <a:rPr lang="en-US" altLang="zh-TW" i="1">
                             <a:latin typeface="Cambria Math" panose="02040503050406030204" pitchFamily="18" charset="0"/>
                           </a:rPr>
                         </m:ctrlPr>
-                      </m:fPr>
-                      <m:num>
-                        <m:d>
-                          <m:dPr>
-                            <m:begChr m:val="|"/>
-                            <m:endChr m:val="|"/>
+                      </m:dPr>
+                      <m:e>
+                        <m:f>
+                          <m:fPr>
                             <m:ctrlPr>
                               <a:rPr lang="en-US" altLang="zh-TW" i="1">
                                 <a:latin typeface="Cambria Math" panose="02040503050406030204" pitchFamily="18" charset="0"/>
                               </a:rPr>
                             </m:ctrlPr>
-                          </m:dPr>
-                          <m:e>
+                          </m:fPr>
+                          <m:num>
                             <m:r>
-                              <a:rPr lang="en-US" altLang="zh-TW" b="0" i="1" smtClean="0">
+                              <a:rPr lang="en-US" altLang="zh-TW" i="1">
                                 <a:latin typeface="Cambria Math" panose="02040503050406030204" pitchFamily="18" charset="0"/>
                               </a:rPr>
                               <m:t>0</m:t>
@@ -8387,18 +8620,18 @@
                               </a:rPr>
                               <m:t>𝑎𝑛𝑠</m:t>
                             </m:r>
-                          </m:e>
-                        </m:d>
-                      </m:num>
-                      <m:den>
-                        <m:r>
-                          <a:rPr lang="en-US" altLang="zh-TW" i="1">
-                            <a:latin typeface="Cambria Math" panose="02040503050406030204" pitchFamily="18" charset="0"/>
-                          </a:rPr>
-                          <m:t>𝑎𝑛𝑠</m:t>
-                        </m:r>
-                      </m:den>
-                    </m:f>
+                          </m:num>
+                          <m:den>
+                            <m:r>
+                              <a:rPr lang="en-US" altLang="zh-TW" i="1">
+                                <a:latin typeface="Cambria Math" panose="02040503050406030204" pitchFamily="18" charset="0"/>
+                              </a:rPr>
+                              <m:t>𝑎𝑛𝑠</m:t>
+                            </m:r>
+                          </m:den>
+                        </m:f>
+                      </m:e>
+                    </m:d>
                     <m:r>
                       <a:rPr lang="en-US" altLang="zh-TW" i="1">
                         <a:latin typeface="Cambria Math" panose="02040503050406030204" pitchFamily="18" charset="0"/>
@@ -8727,6 +8960,23 @@
               <a:rPr lang="en-US" altLang="zh-TW" dirty="0"/>
               <a:t>Inputs : ans1= 10000000, ans2={0.5, 0.4, 0.2}</a:t>
             </a:r>
+          </a:p>
+          <a:p>
+            <a:r>
+              <a:rPr lang="en-US" altLang="zh-TW" dirty="0"/>
+              <a:t>Source code:</a:t>
+            </a:r>
+          </a:p>
+          <a:p>
+            <a:pPr lvl="1"/>
+            <a:r>
+              <a:rPr lang="en-US" altLang="zh-TW" dirty="0"/>
+              <a:t>https://github.com/CNOCycle/cpp_tutorial/tree/main/hw01/ hw01.cpp</a:t>
+            </a:r>
+            <a:endParaRPr lang="zh-TW" altLang="en-US" dirty="0"/>
+          </a:p>
+          <a:p>
+            <a:pPr lvl="1"/>
             <a:endParaRPr lang="zh-TW" altLang="en-US" dirty="0"/>
           </a:p>
         </p:txBody>
